--- a/MiniscopeAnalysis/PlaceCell_Analysis/PlaceCell_Analysis.pptx
+++ b/MiniscopeAnalysis/PlaceCell_Analysis/PlaceCell_Analysis.pptx
@@ -8,6 +8,7 @@
     <p:sldId id="256" r:id="rId2"/>
     <p:sldId id="257" r:id="rId3"/>
     <p:sldId id="258" r:id="rId4"/>
+    <p:sldId id="259" r:id="rId5"/>
   </p:sldIdLst>
   <p:sldSz cx="12192000" cy="6858000"/>
   <p:notesSz cx="6858000" cy="9144000"/>
@@ -106,6 +107,11 @@
       </a:defRPr>
     </a:lvl9pPr>
   </p:defaultTextStyle>
+  <p:extLst>
+    <p:ext uri="{EFAFB233-063F-42B5-8137-9DF3F51BA10A}">
+      <p15:sldGuideLst xmlns:p15="http://schemas.microsoft.com/office/powerpoint/2012/main"/>
+    </p:ext>
+  </p:extLst>
 </p:presentation>
 </file>
 
@@ -258,7 +264,7 @@
           <a:p>
             <a:fld id="{C45DF73E-24B5-4C22-AAAD-0505E8006B5A}" type="datetimeFigureOut">
               <a:rPr lang="en-US" smtClean="0"/>
-              <a:t>4/23/2025</a:t>
+              <a:t>4/24/2025</a:t>
             </a:fld>
             <a:endParaRPr lang="en-US"/>
           </a:p>
@@ -458,7 +464,7 @@
           <a:p>
             <a:fld id="{C45DF73E-24B5-4C22-AAAD-0505E8006B5A}" type="datetimeFigureOut">
               <a:rPr lang="en-US" smtClean="0"/>
-              <a:t>4/23/2025</a:t>
+              <a:t>4/24/2025</a:t>
             </a:fld>
             <a:endParaRPr lang="en-US"/>
           </a:p>
@@ -668,7 +674,7 @@
           <a:p>
             <a:fld id="{C45DF73E-24B5-4C22-AAAD-0505E8006B5A}" type="datetimeFigureOut">
               <a:rPr lang="en-US" smtClean="0"/>
-              <a:t>4/23/2025</a:t>
+              <a:t>4/24/2025</a:t>
             </a:fld>
             <a:endParaRPr lang="en-US"/>
           </a:p>
@@ -868,7 +874,7 @@
           <a:p>
             <a:fld id="{C45DF73E-24B5-4C22-AAAD-0505E8006B5A}" type="datetimeFigureOut">
               <a:rPr lang="en-US" smtClean="0"/>
-              <a:t>4/23/2025</a:t>
+              <a:t>4/24/2025</a:t>
             </a:fld>
             <a:endParaRPr lang="en-US"/>
           </a:p>
@@ -1144,7 +1150,7 @@
           <a:p>
             <a:fld id="{C45DF73E-24B5-4C22-AAAD-0505E8006B5A}" type="datetimeFigureOut">
               <a:rPr lang="en-US" smtClean="0"/>
-              <a:t>4/23/2025</a:t>
+              <a:t>4/24/2025</a:t>
             </a:fld>
             <a:endParaRPr lang="en-US"/>
           </a:p>
@@ -1412,7 +1418,7 @@
           <a:p>
             <a:fld id="{C45DF73E-24B5-4C22-AAAD-0505E8006B5A}" type="datetimeFigureOut">
               <a:rPr lang="en-US" smtClean="0"/>
-              <a:t>4/23/2025</a:t>
+              <a:t>4/24/2025</a:t>
             </a:fld>
             <a:endParaRPr lang="en-US"/>
           </a:p>
@@ -1827,7 +1833,7 @@
           <a:p>
             <a:fld id="{C45DF73E-24B5-4C22-AAAD-0505E8006B5A}" type="datetimeFigureOut">
               <a:rPr lang="en-US" smtClean="0"/>
-              <a:t>4/23/2025</a:t>
+              <a:t>4/24/2025</a:t>
             </a:fld>
             <a:endParaRPr lang="en-US"/>
           </a:p>
@@ -1969,7 +1975,7 @@
           <a:p>
             <a:fld id="{C45DF73E-24B5-4C22-AAAD-0505E8006B5A}" type="datetimeFigureOut">
               <a:rPr lang="en-US" smtClean="0"/>
-              <a:t>4/23/2025</a:t>
+              <a:t>4/24/2025</a:t>
             </a:fld>
             <a:endParaRPr lang="en-US"/>
           </a:p>
@@ -2082,7 +2088,7 @@
           <a:p>
             <a:fld id="{C45DF73E-24B5-4C22-AAAD-0505E8006B5A}" type="datetimeFigureOut">
               <a:rPr lang="en-US" smtClean="0"/>
-              <a:t>4/23/2025</a:t>
+              <a:t>4/24/2025</a:t>
             </a:fld>
             <a:endParaRPr lang="en-US"/>
           </a:p>
@@ -2395,7 +2401,7 @@
           <a:p>
             <a:fld id="{C45DF73E-24B5-4C22-AAAD-0505E8006B5A}" type="datetimeFigureOut">
               <a:rPr lang="en-US" smtClean="0"/>
-              <a:t>4/23/2025</a:t>
+              <a:t>4/24/2025</a:t>
             </a:fld>
             <a:endParaRPr lang="en-US"/>
           </a:p>
@@ -2684,7 +2690,7 @@
           <a:p>
             <a:fld id="{C45DF73E-24B5-4C22-AAAD-0505E8006B5A}" type="datetimeFigureOut">
               <a:rPr lang="en-US" smtClean="0"/>
-              <a:t>4/23/2025</a:t>
+              <a:t>4/24/2025</a:t>
             </a:fld>
             <a:endParaRPr lang="en-US"/>
           </a:p>
@@ -2927,7 +2933,7 @@
           <a:p>
             <a:fld id="{C45DF73E-24B5-4C22-AAAD-0505E8006B5A}" type="datetimeFigureOut">
               <a:rPr lang="en-US" smtClean="0"/>
-              <a:t>4/23/2025</a:t>
+              <a:t>4/24/2025</a:t>
             </a:fld>
             <a:endParaRPr lang="en-US"/>
           </a:p>
@@ -3911,6 +3917,219 @@
 </p:sld>
 </file>
 
+<file path=ppt/slides/slide4.xml><?xml version="1.0" encoding="utf-8"?>
+<p:sld xmlns:a="http://schemas.openxmlformats.org/drawingml/2006/main" xmlns:r="http://schemas.openxmlformats.org/officeDocument/2006/relationships" xmlns:p="http://schemas.openxmlformats.org/presentationml/2006/main">
+  <p:cSld>
+    <p:spTree>
+      <p:nvGrpSpPr>
+        <p:cNvPr id="1" name=""/>
+        <p:cNvGrpSpPr/>
+        <p:nvPr/>
+      </p:nvGrpSpPr>
+      <p:grpSpPr>
+        <a:xfrm>
+          <a:off x="0" y="0"/>
+          <a:ext cx="0" cy="0"/>
+          <a:chOff x="0" y="0"/>
+          <a:chExt cx="0" cy="0"/>
+        </a:xfrm>
+      </p:grpSpPr>
+      <p:sp>
+        <p:nvSpPr>
+          <p:cNvPr id="6" name="Textfeld 5">
+            <a:extLst>
+              <a:ext uri="{FF2B5EF4-FFF2-40B4-BE49-F238E27FC236}">
+                <a16:creationId xmlns:a16="http://schemas.microsoft.com/office/drawing/2014/main" id="{C836110C-8BE5-E949-CE0C-026F74AE2DF3}"/>
+              </a:ext>
+            </a:extLst>
+          </p:cNvPr>
+          <p:cNvSpPr txBox="1"/>
+          <p:nvPr/>
+        </p:nvSpPr>
+        <p:spPr>
+          <a:xfrm>
+            <a:off x="7340367" y="1359017"/>
+            <a:ext cx="2509854" cy="2308324"/>
+          </a:xfrm>
+          <a:prstGeom prst="rect">
+            <a:avLst/>
+          </a:prstGeom>
+          <a:noFill/>
+        </p:spPr>
+        <p:txBody>
+          <a:bodyPr wrap="none" rtlCol="0">
+            <a:spAutoFit/>
+          </a:bodyPr>
+          <a:lstStyle/>
+          <a:p>
+            <a:r>
+              <a:rPr lang="de-DE" dirty="0" err="1"/>
+              <a:t>Test_data</a:t>
+            </a:r>
+            <a:r>
+              <a:rPr lang="de-DE" dirty="0"/>
+              <a:t> = </a:t>
+            </a:r>
+            <a:r>
+              <a:rPr lang="de-DE" dirty="0" err="1"/>
+              <a:t>train_data</a:t>
+            </a:r>
+            <a:endParaRPr lang="de-DE" dirty="0"/>
+          </a:p>
+          <a:p>
+            <a:r>
+              <a:rPr lang="de-DE" dirty="0" err="1"/>
+              <a:t>N_bins</a:t>
+            </a:r>
+            <a:r>
+              <a:rPr lang="de-DE" dirty="0"/>
+              <a:t>=3</a:t>
+            </a:r>
+          </a:p>
+          <a:p>
+            <a:r>
+              <a:rPr lang="de-DE" dirty="0" err="1"/>
+              <a:t>N_shuffles</a:t>
+            </a:r>
+            <a:r>
+              <a:rPr lang="de-DE" dirty="0"/>
+              <a:t>=1000</a:t>
+            </a:r>
+          </a:p>
+          <a:p>
+            <a:r>
+              <a:rPr lang="de-DE" dirty="0" err="1"/>
+              <a:t>Sig_level</a:t>
+            </a:r>
+            <a:r>
+              <a:rPr lang="de-DE" dirty="0"/>
+              <a:t>=0.01</a:t>
+            </a:r>
+          </a:p>
+          <a:p>
+            <a:r>
+              <a:rPr lang="de-DE" dirty="0" err="1"/>
+              <a:t>Bin_size</a:t>
+            </a:r>
+            <a:r>
+              <a:rPr lang="de-DE" dirty="0"/>
+              <a:t>=1s</a:t>
+            </a:r>
+          </a:p>
+          <a:p>
+            <a:r>
+              <a:rPr lang="de-DE" dirty="0" err="1"/>
+              <a:t>Min_active_cells</a:t>
+            </a:r>
+            <a:r>
+              <a:rPr lang="de-DE" dirty="0"/>
+              <a:t>=2</a:t>
+            </a:r>
+          </a:p>
+          <a:p>
+            <a:r>
+              <a:rPr lang="de-DE" dirty="0" err="1"/>
+              <a:t>Test_size</a:t>
+            </a:r>
+            <a:r>
+              <a:rPr lang="de-DE" dirty="0"/>
+              <a:t>= </a:t>
+            </a:r>
+            <a:r>
+              <a:rPr lang="de-DE" dirty="0" err="1"/>
+              <a:t>whole</a:t>
+            </a:r>
+            <a:r>
+              <a:rPr lang="de-DE" dirty="0"/>
+              <a:t> </a:t>
+            </a:r>
+            <a:r>
+              <a:rPr lang="de-DE" dirty="0" err="1"/>
+              <a:t>dataset</a:t>
+            </a:r>
+            <a:endParaRPr lang="en-US" dirty="0"/>
+          </a:p>
+          <a:p>
+            <a:r>
+              <a:rPr lang="en-US" dirty="0"/>
+              <a:t>Lr=1e-3</a:t>
+            </a:r>
+          </a:p>
+        </p:txBody>
+      </p:sp>
+      <p:pic>
+        <p:nvPicPr>
+          <p:cNvPr id="4" name="Grafik 3">
+            <a:extLst>
+              <a:ext uri="{FF2B5EF4-FFF2-40B4-BE49-F238E27FC236}">
+                <a16:creationId xmlns:a16="http://schemas.microsoft.com/office/drawing/2014/main" id="{739761F7-A888-4C6A-92DA-B5D504D4171A}"/>
+              </a:ext>
+            </a:extLst>
+          </p:cNvPr>
+          <p:cNvPicPr>
+            <a:picLocks noChangeAspect="1"/>
+          </p:cNvPicPr>
+          <p:nvPr/>
+        </p:nvPicPr>
+        <p:blipFill>
+          <a:blip r:embed="rId2"/>
+          <a:stretch>
+            <a:fillRect/>
+          </a:stretch>
+        </p:blipFill>
+        <p:spPr>
+          <a:xfrm>
+            <a:off x="530655" y="614201"/>
+            <a:ext cx="6000750" cy="4467225"/>
+          </a:xfrm>
+          <a:prstGeom prst="rect">
+            <a:avLst/>
+          </a:prstGeom>
+        </p:spPr>
+      </p:pic>
+      <p:pic>
+        <p:nvPicPr>
+          <p:cNvPr id="8" name="Grafik 7">
+            <a:extLst>
+              <a:ext uri="{FF2B5EF4-FFF2-40B4-BE49-F238E27FC236}">
+                <a16:creationId xmlns:a16="http://schemas.microsoft.com/office/drawing/2014/main" id="{4420733A-CB61-4FDD-B31D-4579BD47DC09}"/>
+              </a:ext>
+            </a:extLst>
+          </p:cNvPr>
+          <p:cNvPicPr>
+            <a:picLocks noChangeAspect="1"/>
+          </p:cNvPicPr>
+          <p:nvPr/>
+        </p:nvPicPr>
+        <p:blipFill>
+          <a:blip r:embed="rId3"/>
+          <a:stretch>
+            <a:fillRect/>
+          </a:stretch>
+        </p:blipFill>
+        <p:spPr>
+          <a:xfrm>
+            <a:off x="6774215" y="3825094"/>
+            <a:ext cx="4887130" cy="2512663"/>
+          </a:xfrm>
+          <a:prstGeom prst="rect">
+            <a:avLst/>
+          </a:prstGeom>
+        </p:spPr>
+      </p:pic>
+    </p:spTree>
+    <p:extLst>
+      <p:ext uri="{BB962C8B-B14F-4D97-AF65-F5344CB8AC3E}">
+        <p14:creationId xmlns:p14="http://schemas.microsoft.com/office/powerpoint/2010/main" val="3623457775"/>
+      </p:ext>
+    </p:extLst>
+  </p:cSld>
+  <p:clrMapOvr>
+    <a:masterClrMapping/>
+  </p:clrMapOvr>
+</p:sld>
+</file>
+
 <file path=ppt/theme/theme1.xml><?xml version="1.0" encoding="utf-8"?>
 <a:theme xmlns:a="http://schemas.openxmlformats.org/drawingml/2006/main" name="Office">
   <a:themeElements>

--- a/MiniscopeAnalysis/PlaceCell_Analysis/PlaceCell_Analysis.pptx
+++ b/MiniscopeAnalysis/PlaceCell_Analysis/PlaceCell_Analysis.pptx
@@ -9,6 +9,7 @@
     <p:sldId id="257" r:id="rId3"/>
     <p:sldId id="258" r:id="rId4"/>
     <p:sldId id="259" r:id="rId5"/>
+    <p:sldId id="260" r:id="rId6"/>
   </p:sldIdLst>
   <p:sldSz cx="12192000" cy="6858000"/>
   <p:notesSz cx="6858000" cy="9144000"/>
@@ -4130,6 +4131,464 @@
 </p:sld>
 </file>
 
+<file path=ppt/slides/slide5.xml><?xml version="1.0" encoding="utf-8"?>
+<p:sld xmlns:a="http://schemas.openxmlformats.org/drawingml/2006/main" xmlns:r="http://schemas.openxmlformats.org/officeDocument/2006/relationships" xmlns:p="http://schemas.openxmlformats.org/presentationml/2006/main">
+  <p:cSld>
+    <p:spTree>
+      <p:nvGrpSpPr>
+        <p:cNvPr id="1" name=""/>
+        <p:cNvGrpSpPr/>
+        <p:nvPr/>
+      </p:nvGrpSpPr>
+      <p:grpSpPr>
+        <a:xfrm>
+          <a:off x="0" y="0"/>
+          <a:ext cx="0" cy="0"/>
+          <a:chOff x="0" y="0"/>
+          <a:chExt cx="0" cy="0"/>
+        </a:xfrm>
+      </p:grpSpPr>
+      <p:sp>
+        <p:nvSpPr>
+          <p:cNvPr id="4" name="Textfeld 3">
+            <a:extLst>
+              <a:ext uri="{FF2B5EF4-FFF2-40B4-BE49-F238E27FC236}">
+                <a16:creationId xmlns:a16="http://schemas.microsoft.com/office/drawing/2014/main" id="{03156BDA-8F25-43B7-B139-0CD9B1E09221}"/>
+              </a:ext>
+            </a:extLst>
+          </p:cNvPr>
+          <p:cNvSpPr txBox="1"/>
+          <p:nvPr/>
+        </p:nvSpPr>
+        <p:spPr>
+          <a:xfrm>
+            <a:off x="2605634" y="95905"/>
+            <a:ext cx="2768515" cy="1169551"/>
+          </a:xfrm>
+          <a:prstGeom prst="rect">
+            <a:avLst/>
+          </a:prstGeom>
+          <a:noFill/>
+        </p:spPr>
+        <p:txBody>
+          <a:bodyPr wrap="square" rtlCol="0">
+            <a:spAutoFit/>
+          </a:bodyPr>
+          <a:lstStyle/>
+          <a:p>
+            <a:r>
+              <a:rPr lang="de-DE" sz="1000" dirty="0" err="1"/>
+              <a:t>Train_data</a:t>
+            </a:r>
+            <a:r>
+              <a:rPr lang="de-DE" sz="1000" dirty="0"/>
+              <a:t> = shuffled_min1</a:t>
+            </a:r>
+          </a:p>
+          <a:p>
+            <a:r>
+              <a:rPr lang="de-DE" sz="1000" dirty="0" err="1"/>
+              <a:t>Test_data</a:t>
+            </a:r>
+            <a:r>
+              <a:rPr lang="de-DE" sz="1000" dirty="0"/>
+              <a:t> = min1</a:t>
+            </a:r>
+          </a:p>
+          <a:p>
+            <a:r>
+              <a:rPr lang="de-DE" sz="1000" dirty="0" err="1"/>
+              <a:t>N_bins</a:t>
+            </a:r>
+            <a:r>
+              <a:rPr lang="de-DE" sz="1000" dirty="0"/>
+              <a:t>=3</a:t>
+            </a:r>
+          </a:p>
+          <a:p>
+            <a:r>
+              <a:rPr lang="de-DE" sz="1000" dirty="0" err="1"/>
+              <a:t>N_shuffles</a:t>
+            </a:r>
+            <a:r>
+              <a:rPr lang="de-DE" sz="1000" dirty="0"/>
+              <a:t>=1000</a:t>
+            </a:r>
+          </a:p>
+          <a:p>
+            <a:r>
+              <a:rPr lang="de-DE" sz="1000" dirty="0" err="1"/>
+              <a:t>Sig_level</a:t>
+            </a:r>
+            <a:r>
+              <a:rPr lang="de-DE" sz="1000" dirty="0"/>
+              <a:t>=0.05 (184 </a:t>
+            </a:r>
+            <a:r>
+              <a:rPr lang="de-DE" sz="1000" dirty="0" err="1"/>
+              <a:t>pl.cells</a:t>
+            </a:r>
+            <a:r>
+              <a:rPr lang="de-DE" sz="1000" dirty="0"/>
+              <a:t>)</a:t>
+            </a:r>
+          </a:p>
+          <a:p>
+            <a:r>
+              <a:rPr lang="de-DE" sz="1000" dirty="0" err="1"/>
+              <a:t>Bin_size</a:t>
+            </a:r>
+            <a:r>
+              <a:rPr lang="de-DE" sz="1000" dirty="0"/>
+              <a:t>=1s</a:t>
+            </a:r>
+          </a:p>
+          <a:p>
+            <a:r>
+              <a:rPr lang="en-US" sz="1000" dirty="0"/>
+              <a:t>Lr=1e-3</a:t>
+            </a:r>
+          </a:p>
+        </p:txBody>
+      </p:sp>
+      <p:sp>
+        <p:nvSpPr>
+          <p:cNvPr id="5" name="Textfeld 4">
+            <a:extLst>
+              <a:ext uri="{FF2B5EF4-FFF2-40B4-BE49-F238E27FC236}">
+                <a16:creationId xmlns:a16="http://schemas.microsoft.com/office/drawing/2014/main" id="{70A1C475-6092-4DC0-AB3C-B7B0F7741F2D}"/>
+              </a:ext>
+            </a:extLst>
+          </p:cNvPr>
+          <p:cNvSpPr txBox="1"/>
+          <p:nvPr/>
+        </p:nvSpPr>
+        <p:spPr>
+          <a:xfrm>
+            <a:off x="8236685" y="95905"/>
+            <a:ext cx="2768515" cy="1169551"/>
+          </a:xfrm>
+          <a:prstGeom prst="rect">
+            <a:avLst/>
+          </a:prstGeom>
+          <a:noFill/>
+        </p:spPr>
+        <p:txBody>
+          <a:bodyPr wrap="square" rtlCol="0">
+            <a:spAutoFit/>
+          </a:bodyPr>
+          <a:lstStyle/>
+          <a:p>
+            <a:r>
+              <a:rPr lang="de-DE" sz="1000" dirty="0" err="1"/>
+              <a:t>Train_data</a:t>
+            </a:r>
+            <a:r>
+              <a:rPr lang="de-DE" sz="1000" dirty="0"/>
+              <a:t> = min1</a:t>
+            </a:r>
+          </a:p>
+          <a:p>
+            <a:r>
+              <a:rPr lang="de-DE" sz="1000" dirty="0" err="1"/>
+              <a:t>Test_data</a:t>
+            </a:r>
+            <a:r>
+              <a:rPr lang="de-DE" sz="1000" dirty="0"/>
+              <a:t> = min1</a:t>
+            </a:r>
+          </a:p>
+          <a:p>
+            <a:r>
+              <a:rPr lang="de-DE" sz="1000" dirty="0" err="1"/>
+              <a:t>N_bins</a:t>
+            </a:r>
+            <a:r>
+              <a:rPr lang="de-DE" sz="1000" dirty="0"/>
+              <a:t>=3</a:t>
+            </a:r>
+          </a:p>
+          <a:p>
+            <a:r>
+              <a:rPr lang="de-DE" sz="1000" dirty="0" err="1"/>
+              <a:t>N_shuffles</a:t>
+            </a:r>
+            <a:r>
+              <a:rPr lang="de-DE" sz="1000" dirty="0"/>
+              <a:t>=1000</a:t>
+            </a:r>
+          </a:p>
+          <a:p>
+            <a:r>
+              <a:rPr lang="de-DE" sz="1000" dirty="0" err="1"/>
+              <a:t>Sig_level</a:t>
+            </a:r>
+            <a:r>
+              <a:rPr lang="de-DE" sz="1000" dirty="0"/>
+              <a:t>=0.05 (184 </a:t>
+            </a:r>
+            <a:r>
+              <a:rPr lang="de-DE" sz="1000" dirty="0" err="1"/>
+              <a:t>pl.cells</a:t>
+            </a:r>
+            <a:r>
+              <a:rPr lang="de-DE" sz="1000" dirty="0"/>
+              <a:t>)</a:t>
+            </a:r>
+          </a:p>
+          <a:p>
+            <a:r>
+              <a:rPr lang="de-DE" sz="1000" dirty="0" err="1"/>
+              <a:t>Bin_size</a:t>
+            </a:r>
+            <a:r>
+              <a:rPr lang="de-DE" sz="1000" dirty="0"/>
+              <a:t>=1s</a:t>
+            </a:r>
+          </a:p>
+          <a:p>
+            <a:r>
+              <a:rPr lang="en-US" sz="1000" dirty="0"/>
+              <a:t>Lr=1e-3</a:t>
+            </a:r>
+          </a:p>
+        </p:txBody>
+      </p:sp>
+      <p:pic>
+        <p:nvPicPr>
+          <p:cNvPr id="7" name="Grafik 6">
+            <a:extLst>
+              <a:ext uri="{FF2B5EF4-FFF2-40B4-BE49-F238E27FC236}">
+                <a16:creationId xmlns:a16="http://schemas.microsoft.com/office/drawing/2014/main" id="{7C0A3C65-D506-4A05-9578-4369D882EB70}"/>
+              </a:ext>
+            </a:extLst>
+          </p:cNvPr>
+          <p:cNvPicPr>
+            <a:picLocks noChangeAspect="1"/>
+          </p:cNvPicPr>
+          <p:nvPr/>
+        </p:nvPicPr>
+        <p:blipFill>
+          <a:blip r:embed="rId2"/>
+          <a:stretch>
+            <a:fillRect/>
+          </a:stretch>
+        </p:blipFill>
+        <p:spPr>
+          <a:xfrm>
+            <a:off x="638245" y="1539984"/>
+            <a:ext cx="4578959" cy="2313042"/>
+          </a:xfrm>
+          <a:prstGeom prst="rect">
+            <a:avLst/>
+          </a:prstGeom>
+        </p:spPr>
+      </p:pic>
+      <p:pic>
+        <p:nvPicPr>
+          <p:cNvPr id="9" name="Grafik 8">
+            <a:extLst>
+              <a:ext uri="{FF2B5EF4-FFF2-40B4-BE49-F238E27FC236}">
+                <a16:creationId xmlns:a16="http://schemas.microsoft.com/office/drawing/2014/main" id="{E99D918F-3F52-4F02-9ACE-3F9FA3727AF1}"/>
+              </a:ext>
+            </a:extLst>
+          </p:cNvPr>
+          <p:cNvPicPr>
+            <a:picLocks noChangeAspect="1"/>
+          </p:cNvPicPr>
+          <p:nvPr/>
+        </p:nvPicPr>
+        <p:blipFill>
+          <a:blip r:embed="rId3"/>
+          <a:stretch>
+            <a:fillRect/>
+          </a:stretch>
+        </p:blipFill>
+        <p:spPr>
+          <a:xfrm>
+            <a:off x="638245" y="4127554"/>
+            <a:ext cx="3213312" cy="2397233"/>
+          </a:xfrm>
+          <a:prstGeom prst="rect">
+            <a:avLst/>
+          </a:prstGeom>
+        </p:spPr>
+      </p:pic>
+      <p:sp>
+        <p:nvSpPr>
+          <p:cNvPr id="10" name="Textfeld 9">
+            <a:extLst>
+              <a:ext uri="{FF2B5EF4-FFF2-40B4-BE49-F238E27FC236}">
+                <a16:creationId xmlns:a16="http://schemas.microsoft.com/office/drawing/2014/main" id="{F5AB0955-68A7-4334-8EE9-20C64546A018}"/>
+              </a:ext>
+            </a:extLst>
+          </p:cNvPr>
+          <p:cNvSpPr txBox="1"/>
+          <p:nvPr/>
+        </p:nvSpPr>
+        <p:spPr>
+          <a:xfrm>
+            <a:off x="3370881" y="3853026"/>
+            <a:ext cx="1729961" cy="246221"/>
+          </a:xfrm>
+          <a:prstGeom prst="rect">
+            <a:avLst/>
+          </a:prstGeom>
+          <a:noFill/>
+        </p:spPr>
+        <p:txBody>
+          <a:bodyPr wrap="none" rtlCol="0">
+            <a:spAutoFit/>
+          </a:bodyPr>
+          <a:lstStyle/>
+          <a:p>
+            <a:r>
+              <a:rPr lang="de-DE" sz="1000" dirty="0"/>
+              <a:t>Mean </a:t>
+            </a:r>
+            <a:r>
+              <a:rPr lang="de-DE" sz="1000" dirty="0" err="1"/>
+              <a:t>decoding</a:t>
+            </a:r>
+            <a:r>
+              <a:rPr lang="de-DE" sz="1000" dirty="0"/>
+              <a:t> </a:t>
+            </a:r>
+            <a:r>
+              <a:rPr lang="de-DE" sz="1000" dirty="0" err="1"/>
+              <a:t>error</a:t>
+            </a:r>
+            <a:r>
+              <a:rPr lang="de-DE" sz="1000" dirty="0"/>
+              <a:t> = 277px</a:t>
+            </a:r>
+          </a:p>
+        </p:txBody>
+      </p:sp>
+      <p:pic>
+        <p:nvPicPr>
+          <p:cNvPr id="12" name="Grafik 11">
+            <a:extLst>
+              <a:ext uri="{FF2B5EF4-FFF2-40B4-BE49-F238E27FC236}">
+                <a16:creationId xmlns:a16="http://schemas.microsoft.com/office/drawing/2014/main" id="{E65B8614-3E08-4B63-85D6-9097DF928DAA}"/>
+              </a:ext>
+            </a:extLst>
+          </p:cNvPr>
+          <p:cNvPicPr>
+            <a:picLocks noChangeAspect="1"/>
+          </p:cNvPicPr>
+          <p:nvPr/>
+        </p:nvPicPr>
+        <p:blipFill>
+          <a:blip r:embed="rId4"/>
+          <a:stretch>
+            <a:fillRect/>
+          </a:stretch>
+        </p:blipFill>
+        <p:spPr>
+          <a:xfrm>
+            <a:off x="6412020" y="1343874"/>
+            <a:ext cx="5350915" cy="2705261"/>
+          </a:xfrm>
+          <a:prstGeom prst="rect">
+            <a:avLst/>
+          </a:prstGeom>
+        </p:spPr>
+      </p:pic>
+      <p:pic>
+        <p:nvPicPr>
+          <p:cNvPr id="14" name="Grafik 13">
+            <a:extLst>
+              <a:ext uri="{FF2B5EF4-FFF2-40B4-BE49-F238E27FC236}">
+                <a16:creationId xmlns:a16="http://schemas.microsoft.com/office/drawing/2014/main" id="{A0E688A0-2730-4CD2-B3C6-916613F69CD1}"/>
+              </a:ext>
+            </a:extLst>
+          </p:cNvPr>
+          <p:cNvPicPr>
+            <a:picLocks noChangeAspect="1"/>
+          </p:cNvPicPr>
+          <p:nvPr/>
+        </p:nvPicPr>
+        <p:blipFill>
+          <a:blip r:embed="rId5"/>
+          <a:stretch>
+            <a:fillRect/>
+          </a:stretch>
+        </p:blipFill>
+        <p:spPr>
+          <a:xfrm>
+            <a:off x="6616959" y="4127553"/>
+            <a:ext cx="3318321" cy="2475573"/>
+          </a:xfrm>
+          <a:prstGeom prst="rect">
+            <a:avLst/>
+          </a:prstGeom>
+        </p:spPr>
+      </p:pic>
+      <p:sp>
+        <p:nvSpPr>
+          <p:cNvPr id="15" name="Textfeld 14">
+            <a:extLst>
+              <a:ext uri="{FF2B5EF4-FFF2-40B4-BE49-F238E27FC236}">
+                <a16:creationId xmlns:a16="http://schemas.microsoft.com/office/drawing/2014/main" id="{FD1989E4-810F-4CC1-9962-76B964F27FDD}"/>
+              </a:ext>
+            </a:extLst>
+          </p:cNvPr>
+          <p:cNvSpPr txBox="1"/>
+          <p:nvPr/>
+        </p:nvSpPr>
+        <p:spPr>
+          <a:xfrm>
+            <a:off x="10140219" y="4111124"/>
+            <a:ext cx="1664238" cy="246221"/>
+          </a:xfrm>
+          <a:prstGeom prst="rect">
+            <a:avLst/>
+          </a:prstGeom>
+          <a:noFill/>
+        </p:spPr>
+        <p:txBody>
+          <a:bodyPr wrap="none" rtlCol="0">
+            <a:spAutoFit/>
+          </a:bodyPr>
+          <a:lstStyle/>
+          <a:p>
+            <a:r>
+              <a:rPr lang="de-DE" sz="1000" dirty="0"/>
+              <a:t>Mean </a:t>
+            </a:r>
+            <a:r>
+              <a:rPr lang="de-DE" sz="1000" dirty="0" err="1"/>
+              <a:t>decoding</a:t>
+            </a:r>
+            <a:r>
+              <a:rPr lang="de-DE" sz="1000" dirty="0"/>
+              <a:t> </a:t>
+            </a:r>
+            <a:r>
+              <a:rPr lang="de-DE" sz="1000" dirty="0" err="1"/>
+              <a:t>error</a:t>
+            </a:r>
+            <a:r>
+              <a:rPr lang="de-DE" sz="1000" dirty="0"/>
+              <a:t> = 39px</a:t>
+            </a:r>
+          </a:p>
+        </p:txBody>
+      </p:sp>
+    </p:spTree>
+    <p:extLst>
+      <p:ext uri="{BB962C8B-B14F-4D97-AF65-F5344CB8AC3E}">
+        <p14:creationId xmlns:p14="http://schemas.microsoft.com/office/powerpoint/2010/main" val="1540160856"/>
+      </p:ext>
+    </p:extLst>
+  </p:cSld>
+  <p:clrMapOvr>
+    <a:masterClrMapping/>
+  </p:clrMapOvr>
+</p:sld>
+</file>
+
 <file path=ppt/theme/theme1.xml><?xml version="1.0" encoding="utf-8"?>
 <a:theme xmlns:a="http://schemas.openxmlformats.org/drawingml/2006/main" name="Office">
   <a:themeElements>
